--- a/Entregables/PPT_Proyecto_de_Implementación_de_Sistema_WEB_de_gestión_de_ventas.pptx
+++ b/Entregables/PPT_Proyecto_de_Implementación_de_Sistema_WEB_de_gestión_de_ventas.pptx
@@ -16,12 +16,11 @@
     <p:sldId id="264" r:id="rId10"/>
     <p:sldId id="265" r:id="rId11"/>
     <p:sldId id="266" r:id="rId12"/>
-    <p:sldId id="267" r:id="rId13"/>
-    <p:sldId id="268" r:id="rId14"/>
-    <p:sldId id="269" r:id="rId15"/>
-    <p:sldId id="270" r:id="rId16"/>
-    <p:sldId id="271" r:id="rId17"/>
-    <p:sldId id="272" r:id="rId18"/>
+    <p:sldId id="268" r:id="rId13"/>
+    <p:sldId id="269" r:id="rId14"/>
+    <p:sldId id="270" r:id="rId15"/>
+    <p:sldId id="271" r:id="rId16"/>
+    <p:sldId id="272" r:id="rId17"/>
   </p:sldIdLst>
   <p:sldSz cx="12192000" cy="6858000"/>
   <p:notesSz cx="6858000" cy="9144000"/>
@@ -4957,7 +4956,7 @@
         </p:blipFill>
         <p:spPr>
           <a:xfrm>
-            <a:off x="1124308" y="2475952"/>
+            <a:off x="2580250" y="2232651"/>
             <a:ext cx="1939073" cy="1939073"/>
           </a:xfrm>
           <a:prstGeom prst="rect">
@@ -4993,43 +4992,7 @@
         </p:blipFill>
         <p:spPr>
           <a:xfrm>
-            <a:off x="5200485" y="2496185"/>
-            <a:ext cx="1939073" cy="1939073"/>
-          </a:xfrm>
-          <a:prstGeom prst="rect">
-            <a:avLst/>
-          </a:prstGeom>
-        </p:spPr>
-      </p:pic>
-      <p:pic>
-        <p:nvPicPr>
-          <p:cNvPr id="13" name="Imagen 12" descr="Imagen que contiene Forma&#10;&#10;Descripción generada automáticamente">
-            <a:extLst>
-              <a:ext uri="{FF2B5EF4-FFF2-40B4-BE49-F238E27FC236}">
-                <a16:creationId xmlns:a16="http://schemas.microsoft.com/office/drawing/2014/main" id="{07616046-C97C-9016-2B4C-5307F59015D7}"/>
-              </a:ext>
-            </a:extLst>
-          </p:cNvPr>
-          <p:cNvPicPr>
-            <a:picLocks noChangeAspect="1"/>
-          </p:cNvPicPr>
-          <p:nvPr/>
-        </p:nvPicPr>
-        <p:blipFill>
-          <a:blip r:embed="rId3">
-            <a:extLst>
-              <a:ext uri="{28A0092B-C50C-407E-A947-70E740481C1C}">
-                <a14:useLocalDpi xmlns:a14="http://schemas.microsoft.com/office/drawing/2010/main" val="0"/>
-              </a:ext>
-            </a:extLst>
-          </a:blip>
-          <a:stretch>
-            <a:fillRect/>
-          </a:stretch>
-        </p:blipFill>
-        <p:spPr>
-          <a:xfrm>
-            <a:off x="9128619" y="2459463"/>
+            <a:off x="8004315" y="2150157"/>
             <a:ext cx="1939073" cy="1939073"/>
           </a:xfrm>
           <a:prstGeom prst="rect">
@@ -5051,8 +5014,8 @@
         </p:nvSpPr>
         <p:spPr>
           <a:xfrm>
-            <a:off x="0" y="5019210"/>
-            <a:ext cx="4187687" cy="646331"/>
+            <a:off x="1455942" y="4775909"/>
+            <a:ext cx="4187687" cy="1477328"/>
           </a:xfrm>
           <a:prstGeom prst="rect">
             <a:avLst/>
@@ -5068,7 +5031,15 @@
             <a:pPr algn="ctr"/>
             <a:r>
               <a:rPr lang="es-PE" dirty="0"/>
-              <a:t>Reducir el tiempo promedio de la gestión de matrículas en un 60%</a:t>
+              <a:t>Implementar un sistema de gestión de venta de autos que permita optimizar los procesos internos de "</a:t>
+            </a:r>
+            <a:r>
+              <a:rPr lang="es-PE" dirty="0" err="1"/>
+              <a:t>Rapimotors</a:t>
+            </a:r>
+            <a:r>
+              <a:rPr lang="es-PE" dirty="0"/>
+              <a:t>" en un plazo de seis meses</a:t>
             </a:r>
           </a:p>
         </p:txBody>
@@ -5087,8 +5058,8 @@
         </p:nvSpPr>
         <p:spPr>
           <a:xfrm>
-            <a:off x="4042154" y="5021082"/>
-            <a:ext cx="4187687" cy="923330"/>
+            <a:off x="6845984" y="4675054"/>
+            <a:ext cx="4187687" cy="1754326"/>
           </a:xfrm>
           <a:prstGeom prst="rect">
             <a:avLst/>
@@ -5104,43 +5075,7 @@
             <a:pPr algn="ctr"/>
             <a:r>
               <a:rPr lang="es-PE" dirty="0"/>
-              <a:t>El desarrollo de una aplicación web integral para la gestión de matrículas</a:t>
-            </a:r>
-          </a:p>
-        </p:txBody>
-      </p:sp>
-      <p:sp>
-        <p:nvSpPr>
-          <p:cNvPr id="18" name="CuadroTexto 17">
-            <a:extLst>
-              <a:ext uri="{FF2B5EF4-FFF2-40B4-BE49-F238E27FC236}">
-                <a16:creationId xmlns:a16="http://schemas.microsoft.com/office/drawing/2014/main" id="{45043C97-AA43-7A86-242C-83565719C65E}"/>
-              </a:ext>
-            </a:extLst>
-          </p:cNvPr>
-          <p:cNvSpPr txBox="1"/>
-          <p:nvPr/>
-        </p:nvSpPr>
-        <p:spPr>
-          <a:xfrm>
-            <a:off x="8004313" y="5019209"/>
-            <a:ext cx="4187687" cy="646331"/>
-          </a:xfrm>
-          <a:prstGeom prst="rect">
-            <a:avLst/>
-          </a:prstGeom>
-          <a:noFill/>
-        </p:spPr>
-        <p:txBody>
-          <a:bodyPr wrap="square" rtlCol="0">
-            <a:spAutoFit/>
-          </a:bodyPr>
-          <a:lstStyle/>
-          <a:p>
-            <a:pPr algn="ctr"/>
-            <a:r>
-              <a:rPr lang="es-PE" dirty="0"/>
-              <a:t>Mejorar precisión de asignación de cursos y gestión académica</a:t>
+              <a:t>Mejorar la experiencia del cliente mediante la implementación de herramientas tecnológicas que faciliten la búsqueda y selección de vehículos disponibles en el inventario de la empresa</a:t>
             </a:r>
           </a:p>
         </p:txBody>
@@ -5545,170 +5480,6 @@
                       </p:childTnLst>
                     </p:cTn>
                   </p:par>
-                  <p:par>
-                    <p:cTn id="23" fill="hold">
-                      <p:stCondLst>
-                        <p:cond delay="indefinite"/>
-                      </p:stCondLst>
-                      <p:childTnLst>
-                        <p:par>
-                          <p:cTn id="24" fill="hold">
-                            <p:stCondLst>
-                              <p:cond delay="0"/>
-                            </p:stCondLst>
-                            <p:childTnLst>
-                              <p:par>
-                                <p:cTn id="25" presetID="2" presetClass="entr" presetSubtype="4" fill="hold" nodeType="clickEffect">
-                                  <p:stCondLst>
-                                    <p:cond delay="0"/>
-                                  </p:stCondLst>
-                                  <p:childTnLst>
-                                    <p:set>
-                                      <p:cBhvr>
-                                        <p:cTn id="26" dur="1" fill="hold">
-                                          <p:stCondLst>
-                                            <p:cond delay="0"/>
-                                          </p:stCondLst>
-                                        </p:cTn>
-                                        <p:tgtEl>
-                                          <p:spTgt spid="13"/>
-                                        </p:tgtEl>
-                                        <p:attrNameLst>
-                                          <p:attrName>style.visibility</p:attrName>
-                                        </p:attrNameLst>
-                                      </p:cBhvr>
-                                      <p:to>
-                                        <p:strVal val="visible"/>
-                                      </p:to>
-                                    </p:set>
-                                    <p:anim calcmode="lin" valueType="num">
-                                      <p:cBhvr additive="base">
-                                        <p:cTn id="27" dur="500" fill="hold"/>
-                                        <p:tgtEl>
-                                          <p:spTgt spid="13"/>
-                                        </p:tgtEl>
-                                        <p:attrNameLst>
-                                          <p:attrName>ppt_x</p:attrName>
-                                        </p:attrNameLst>
-                                      </p:cBhvr>
-                                      <p:tavLst>
-                                        <p:tav tm="0">
-                                          <p:val>
-                                            <p:strVal val="#ppt_x"/>
-                                          </p:val>
-                                        </p:tav>
-                                        <p:tav tm="100000">
-                                          <p:val>
-                                            <p:strVal val="#ppt_x"/>
-                                          </p:val>
-                                        </p:tav>
-                                      </p:tavLst>
-                                    </p:anim>
-                                    <p:anim calcmode="lin" valueType="num">
-                                      <p:cBhvr additive="base">
-                                        <p:cTn id="28" dur="500" fill="hold"/>
-                                        <p:tgtEl>
-                                          <p:spTgt spid="13"/>
-                                        </p:tgtEl>
-                                        <p:attrNameLst>
-                                          <p:attrName>ppt_y</p:attrName>
-                                        </p:attrNameLst>
-                                      </p:cBhvr>
-                                      <p:tavLst>
-                                        <p:tav tm="0">
-                                          <p:val>
-                                            <p:strVal val="1+#ppt_h/2"/>
-                                          </p:val>
-                                        </p:tav>
-                                        <p:tav tm="100000">
-                                          <p:val>
-                                            <p:strVal val="#ppt_y"/>
-                                          </p:val>
-                                        </p:tav>
-                                      </p:tavLst>
-                                    </p:anim>
-                                  </p:childTnLst>
-                                </p:cTn>
-                              </p:par>
-                              <p:par>
-                                <p:cTn id="29" presetID="2" presetClass="entr" presetSubtype="4" fill="hold" grpId="0" nodeType="withEffect">
-                                  <p:stCondLst>
-                                    <p:cond delay="0"/>
-                                  </p:stCondLst>
-                                  <p:childTnLst>
-                                    <p:set>
-                                      <p:cBhvr>
-                                        <p:cTn id="30" dur="1" fill="hold">
-                                          <p:stCondLst>
-                                            <p:cond delay="0"/>
-                                          </p:stCondLst>
-                                        </p:cTn>
-                                        <p:tgtEl>
-                                          <p:spTgt spid="18"/>
-                                        </p:tgtEl>
-                                        <p:attrNameLst>
-                                          <p:attrName>style.visibility</p:attrName>
-                                        </p:attrNameLst>
-                                      </p:cBhvr>
-                                      <p:to>
-                                        <p:strVal val="visible"/>
-                                      </p:to>
-                                    </p:set>
-                                    <p:anim calcmode="lin" valueType="num">
-                                      <p:cBhvr additive="base">
-                                        <p:cTn id="31" dur="500" fill="hold"/>
-                                        <p:tgtEl>
-                                          <p:spTgt spid="18"/>
-                                        </p:tgtEl>
-                                        <p:attrNameLst>
-                                          <p:attrName>ppt_x</p:attrName>
-                                        </p:attrNameLst>
-                                      </p:cBhvr>
-                                      <p:tavLst>
-                                        <p:tav tm="0">
-                                          <p:val>
-                                            <p:strVal val="#ppt_x"/>
-                                          </p:val>
-                                        </p:tav>
-                                        <p:tav tm="100000">
-                                          <p:val>
-                                            <p:strVal val="#ppt_x"/>
-                                          </p:val>
-                                        </p:tav>
-                                      </p:tavLst>
-                                    </p:anim>
-                                    <p:anim calcmode="lin" valueType="num">
-                                      <p:cBhvr additive="base">
-                                        <p:cTn id="32" dur="500" fill="hold"/>
-                                        <p:tgtEl>
-                                          <p:spTgt spid="18"/>
-                                        </p:tgtEl>
-                                        <p:attrNameLst>
-                                          <p:attrName>ppt_y</p:attrName>
-                                        </p:attrNameLst>
-                                      </p:cBhvr>
-                                      <p:tavLst>
-                                        <p:tav tm="0">
-                                          <p:val>
-                                            <p:strVal val="1+#ppt_h/2"/>
-                                          </p:val>
-                                        </p:tav>
-                                        <p:tav tm="100000">
-                                          <p:val>
-                                            <p:strVal val="#ppt_y"/>
-                                          </p:val>
-                                        </p:tav>
-                                      </p:tavLst>
-                                    </p:anim>
-                                  </p:childTnLst>
-                                </p:cTn>
-                              </p:par>
-                            </p:childTnLst>
-                          </p:cTn>
-                        </p:par>
-                      </p:childTnLst>
-                    </p:cTn>
-                  </p:par>
                 </p:childTnLst>
               </p:cTn>
               <p:prevCondLst>
@@ -5733,7 +5504,6 @@
     <p:bldLst>
       <p:bldP spid="16" grpId="0"/>
       <p:bldP spid="17" grpId="0"/>
-      <p:bldP spid="18" grpId="0"/>
     </p:bldLst>
   </p:timing>
 </p:sld>
@@ -5761,7 +5531,7 @@
           <p:cNvPr id="2" name="Título 1">
             <a:extLst>
               <a:ext uri="{FF2B5EF4-FFF2-40B4-BE49-F238E27FC236}">
-                <a16:creationId xmlns:a16="http://schemas.microsoft.com/office/drawing/2014/main" id="{C2E1C424-5FDD-3DD3-3F73-63D20549B534}"/>
+                <a16:creationId xmlns:a16="http://schemas.microsoft.com/office/drawing/2014/main" id="{A390F086-A45F-CA0D-181F-4BBEEFF568E1}"/>
               </a:ext>
             </a:extLst>
           </p:cNvPr>
@@ -5774,56 +5544,28 @@
         </p:nvSpPr>
         <p:spPr>
           <a:xfrm>
-            <a:off x="1738864" y="1599861"/>
-            <a:ext cx="10332313" cy="706017"/>
+            <a:off x="3198156" y="604763"/>
+            <a:ext cx="2036452" cy="798783"/>
           </a:xfrm>
         </p:spPr>
         <p:txBody>
           <a:bodyPr/>
           <a:lstStyle/>
           <a:p>
+            <a:pPr algn="ctr"/>
             <a:r>
               <a:rPr lang="es-PE" dirty="0"/>
-              <a:t>Modelado y Notación del Proceso de Negocio(BPMN)</a:t>
-            </a:r>
-          </a:p>
-        </p:txBody>
-      </p:sp>
-      <p:pic>
-        <p:nvPicPr>
-          <p:cNvPr id="6" name="Marcador de contenido 5">
+              <a:t>Base de Datos</a:t>
+            </a:r>
+          </a:p>
+        </p:txBody>
+      </p:sp>
+      <p:sp>
+        <p:nvSpPr>
+          <p:cNvPr id="4" name="Luna 3">
             <a:extLst>
               <a:ext uri="{FF2B5EF4-FFF2-40B4-BE49-F238E27FC236}">
-                <a16:creationId xmlns:a16="http://schemas.microsoft.com/office/drawing/2014/main" id="{D950E64A-8D89-3A88-319B-0BBE745BE345}"/>
-              </a:ext>
-            </a:extLst>
-          </p:cNvPr>
-          <p:cNvPicPr>
-            <a:picLocks noGrp="1" noChangeAspect="1"/>
-          </p:cNvPicPr>
-          <p:nvPr>
-            <p:ph idx="1"/>
-          </p:nvPr>
-        </p:nvPicPr>
-        <p:blipFill>
-          <a:blip r:embed="rId2"/>
-          <a:stretch>
-            <a:fillRect/>
-          </a:stretch>
-        </p:blipFill>
-        <p:spPr>
-          <a:xfrm>
-            <a:off x="1004274" y="2541588"/>
-            <a:ext cx="10161226" cy="3227387"/>
-          </a:xfrm>
-        </p:spPr>
-      </p:pic>
-      <p:sp>
-        <p:nvSpPr>
-          <p:cNvPr id="7" name="Luna 6">
-            <a:extLst>
-              <a:ext uri="{FF2B5EF4-FFF2-40B4-BE49-F238E27FC236}">
-                <a16:creationId xmlns:a16="http://schemas.microsoft.com/office/drawing/2014/main" id="{A1D5BAB2-7AB3-102E-42C9-EAB6D4151BFB}"/>
+                <a16:creationId xmlns:a16="http://schemas.microsoft.com/office/drawing/2014/main" id="{C09F262F-7A21-C1E1-9B52-A13E3165666C}"/>
               </a:ext>
             </a:extLst>
           </p:cNvPr>
@@ -5872,10 +5614,45 @@
           </a:p>
         </p:txBody>
       </p:sp>
+      <p:pic>
+        <p:nvPicPr>
+          <p:cNvPr id="8" name="Marcador de contenido 7" descr="Diagrama&#10;&#10;Descripción generada automáticamente">
+            <a:extLst>
+              <a:ext uri="{FF2B5EF4-FFF2-40B4-BE49-F238E27FC236}">
+                <a16:creationId xmlns:a16="http://schemas.microsoft.com/office/drawing/2014/main" id="{F5AF0FA0-4909-A7F4-FBF4-11255429BC04}"/>
+              </a:ext>
+            </a:extLst>
+          </p:cNvPr>
+          <p:cNvPicPr>
+            <a:picLocks noGrp="1" noChangeAspect="1"/>
+          </p:cNvPicPr>
+          <p:nvPr>
+            <p:ph idx="1"/>
+          </p:nvPr>
+        </p:nvPicPr>
+        <p:blipFill>
+          <a:blip r:embed="rId2">
+            <a:extLst>
+              <a:ext uri="{28A0092B-C50C-407E-A947-70E740481C1C}">
+                <a14:useLocalDpi xmlns:a14="http://schemas.microsoft.com/office/drawing/2010/main" val="0"/>
+              </a:ext>
+            </a:extLst>
+          </a:blip>
+          <a:stretch>
+            <a:fillRect/>
+          </a:stretch>
+        </p:blipFill>
+        <p:spPr>
+          <a:xfrm>
+            <a:off x="3377008" y="1403546"/>
+            <a:ext cx="5876174" cy="5093330"/>
+          </a:xfrm>
+        </p:spPr>
+      </p:pic>
     </p:spTree>
     <p:extLst>
       <p:ext uri="{BB962C8B-B14F-4D97-AF65-F5344CB8AC3E}">
-        <p14:creationId xmlns:p14="http://schemas.microsoft.com/office/powerpoint/2010/main" val="1652311635"/>
+        <p14:creationId xmlns:p14="http://schemas.microsoft.com/office/powerpoint/2010/main" val="733852217"/>
       </p:ext>
     </p:extLst>
   </p:cSld>
@@ -5903,7 +5680,7 @@
                             </p:stCondLst>
                             <p:childTnLst>
                               <p:par>
-                                <p:cTn id="5" presetID="1" presetClass="entr" presetSubtype="0" fill="hold" grpId="0" nodeType="clickEffect">
+                                <p:cTn id="5" presetID="22" presetClass="entr" presetSubtype="4" fill="hold" grpId="0" nodeType="clickEffect">
                                   <p:stCondLst>
                                     <p:cond delay="0"/>
                                   </p:stCondLst>
@@ -5926,56 +5703,11 @@
                                         <p:strVal val="visible"/>
                                       </p:to>
                                     </p:set>
-                                  </p:childTnLst>
-                                </p:cTn>
-                              </p:par>
-                            </p:childTnLst>
-                          </p:cTn>
-                        </p:par>
-                      </p:childTnLst>
-                    </p:cTn>
-                  </p:par>
-                  <p:par>
-                    <p:cTn id="7" fill="hold">
-                      <p:stCondLst>
-                        <p:cond delay="indefinite"/>
-                      </p:stCondLst>
-                      <p:childTnLst>
-                        <p:par>
-                          <p:cTn id="8" fill="hold">
-                            <p:stCondLst>
-                              <p:cond delay="0"/>
-                            </p:stCondLst>
-                            <p:childTnLst>
-                              <p:par>
-                                <p:cTn id="9" presetID="5" presetClass="entr" presetSubtype="10" fill="hold" nodeType="clickEffect">
-                                  <p:stCondLst>
-                                    <p:cond delay="0"/>
-                                  </p:stCondLst>
-                                  <p:childTnLst>
-                                    <p:set>
+                                    <p:animEffect transition="in" filter="wipe(down)">
                                       <p:cBhvr>
-                                        <p:cTn id="10" dur="1" fill="hold">
-                                          <p:stCondLst>
-                                            <p:cond delay="0"/>
-                                          </p:stCondLst>
-                                        </p:cTn>
-                                        <p:tgtEl>
-                                          <p:spTgt spid="6"/>
-                                        </p:tgtEl>
-                                        <p:attrNameLst>
-                                          <p:attrName>style.visibility</p:attrName>
-                                        </p:attrNameLst>
-                                      </p:cBhvr>
-                                      <p:to>
-                                        <p:strVal val="visible"/>
-                                      </p:to>
-                                    </p:set>
-                                    <p:animEffect transition="in" filter="checkerboard(across)">
-                                      <p:cBhvr>
-                                        <p:cTn id="11" dur="500"/>
-                                        <p:tgtEl>
-                                          <p:spTgt spid="6"/>
+                                        <p:cTn id="7" dur="500"/>
+                                        <p:tgtEl>
+                                          <p:spTgt spid="2"/>
                                         </p:tgtEl>
                                       </p:cBhvr>
                                     </p:animEffect>
@@ -6038,7 +5770,7 @@
           <p:cNvPr id="2" name="Título 1">
             <a:extLst>
               <a:ext uri="{FF2B5EF4-FFF2-40B4-BE49-F238E27FC236}">
-                <a16:creationId xmlns:a16="http://schemas.microsoft.com/office/drawing/2014/main" id="{A390F086-A45F-CA0D-181F-4BBEEFF568E1}"/>
+                <a16:creationId xmlns:a16="http://schemas.microsoft.com/office/drawing/2014/main" id="{1069AFE7-AEE3-E097-E1FE-1C2B980B9F17}"/>
               </a:ext>
             </a:extLst>
           </p:cNvPr>
@@ -6051,63 +5783,27 @@
         </p:nvSpPr>
         <p:spPr>
           <a:xfrm>
-            <a:off x="3198156" y="604763"/>
-            <a:ext cx="2036452" cy="798783"/>
+            <a:off x="3860765" y="1361322"/>
+            <a:ext cx="4077287" cy="639757"/>
           </a:xfrm>
         </p:spPr>
         <p:txBody>
           <a:bodyPr/>
           <a:lstStyle/>
           <a:p>
-            <a:pPr algn="ctr"/>
             <a:r>
               <a:rPr lang="es-PE" dirty="0"/>
-              <a:t>Base de Datos</a:t>
-            </a:r>
-          </a:p>
-        </p:txBody>
-      </p:sp>
-      <p:pic>
-        <p:nvPicPr>
-          <p:cNvPr id="6" name="Marcador de contenido 5" descr="Diagrama&#10;&#10;Descripción generada automáticamente">
+              <a:t>Funcionamiento del Sistema</a:t>
+            </a:r>
+          </a:p>
+        </p:txBody>
+      </p:sp>
+      <p:sp>
+        <p:nvSpPr>
+          <p:cNvPr id="5" name="Luna 4">
             <a:extLst>
               <a:ext uri="{FF2B5EF4-FFF2-40B4-BE49-F238E27FC236}">
-                <a16:creationId xmlns:a16="http://schemas.microsoft.com/office/drawing/2014/main" id="{A8929A50-4DFE-E6F0-CFFC-5B883BEA0923}"/>
-              </a:ext>
-            </a:extLst>
-          </p:cNvPr>
-          <p:cNvPicPr>
-            <a:picLocks noGrp="1" noChangeAspect="1"/>
-          </p:cNvPicPr>
-          <p:nvPr>
-            <p:ph idx="1"/>
-          </p:nvPr>
-        </p:nvPicPr>
-        <p:blipFill>
-          <a:blip r:embed="rId2">
-            <a:extLst>
-              <a:ext uri="{28A0092B-C50C-407E-A947-70E740481C1C}">
-                <a14:useLocalDpi xmlns:a14="http://schemas.microsoft.com/office/drawing/2010/main" val="0"/>
-              </a:ext>
-            </a:extLst>
-          </a:blip>
-          <a:stretch>
-            <a:fillRect/>
-          </a:stretch>
-        </p:blipFill>
-        <p:spPr>
-          <a:xfrm>
-            <a:off x="2345635" y="1299088"/>
-            <a:ext cx="8454887" cy="5319493"/>
-          </a:xfrm>
-        </p:spPr>
-      </p:pic>
-      <p:sp>
-        <p:nvSpPr>
-          <p:cNvPr id="4" name="Luna 3">
-            <a:extLst>
-              <a:ext uri="{FF2B5EF4-FFF2-40B4-BE49-F238E27FC236}">
-                <a16:creationId xmlns:a16="http://schemas.microsoft.com/office/drawing/2014/main" id="{C09F262F-7A21-C1E1-9B52-A13E3165666C}"/>
+                <a16:creationId xmlns:a16="http://schemas.microsoft.com/office/drawing/2014/main" id="{FEC1A4D4-DEDD-EF17-1FF9-3B377E539690}"/>
               </a:ext>
             </a:extLst>
           </p:cNvPr>
@@ -6156,10 +5852,59 @@
           </a:p>
         </p:txBody>
       </p:sp>
+      <p:pic>
+        <p:nvPicPr>
+          <p:cNvPr id="1026" name="Picture 2" descr="Fotos de Pagina Web Dibujo, +15.000 Fotos de stock gratuitas de gran calidad">
+            <a:extLst>
+              <a:ext uri="{FF2B5EF4-FFF2-40B4-BE49-F238E27FC236}">
+                <a16:creationId xmlns:a16="http://schemas.microsoft.com/office/drawing/2014/main" id="{ABFCE05D-37A0-0819-1C54-8B800DA13C16}"/>
+              </a:ext>
+            </a:extLst>
+          </p:cNvPr>
+          <p:cNvPicPr>
+            <a:picLocks noGrp="1" noChangeAspect="1" noChangeArrowheads="1"/>
+          </p:cNvPicPr>
+          <p:nvPr>
+            <p:ph idx="1"/>
+          </p:nvPr>
+        </p:nvPicPr>
+        <p:blipFill>
+          <a:blip r:embed="rId2">
+            <a:extLst>
+              <a:ext uri="{28A0092B-C50C-407E-A947-70E740481C1C}">
+                <a14:useLocalDpi xmlns:a14="http://schemas.microsoft.com/office/drawing/2010/main" val="0"/>
+              </a:ext>
+            </a:extLst>
+          </a:blip>
+          <a:srcRect/>
+          <a:stretch>
+            <a:fillRect/>
+          </a:stretch>
+        </p:blipFill>
+        <p:spPr bwMode="auto">
+          <a:xfrm>
+            <a:off x="1847082" y="2322638"/>
+            <a:ext cx="7840257" cy="3609040"/>
+          </a:xfrm>
+          <a:prstGeom prst="rect">
+            <a:avLst/>
+          </a:prstGeom>
+          <a:noFill/>
+          <a:extLst>
+            <a:ext uri="{909E8E84-426E-40DD-AFC4-6F175D3DCCD1}">
+              <a14:hiddenFill xmlns:a14="http://schemas.microsoft.com/office/drawing/2010/main">
+                <a:solidFill>
+                  <a:srgbClr val="FFFFFF"/>
+                </a:solidFill>
+              </a14:hiddenFill>
+            </a:ext>
+          </a:extLst>
+        </p:spPr>
+      </p:pic>
     </p:spTree>
     <p:extLst>
       <p:ext uri="{BB962C8B-B14F-4D97-AF65-F5344CB8AC3E}">
-        <p14:creationId xmlns:p14="http://schemas.microsoft.com/office/powerpoint/2010/main" val="733852217"/>
+        <p14:creationId xmlns:p14="http://schemas.microsoft.com/office/powerpoint/2010/main" val="1843838181"/>
       </p:ext>
     </p:extLst>
   </p:cSld>
@@ -6187,7 +5932,7 @@
                             </p:stCondLst>
                             <p:childTnLst>
                               <p:par>
-                                <p:cTn id="5" presetID="22" presetClass="entr" presetSubtype="4" fill="hold" grpId="0" nodeType="clickEffect">
+                                <p:cTn id="5" presetID="10" presetClass="entr" presetSubtype="0" fill="hold" grpId="0" nodeType="clickEffect">
                                   <p:stCondLst>
                                     <p:cond delay="0"/>
                                   </p:stCondLst>
@@ -6210,7 +5955,7 @@
                                         <p:strVal val="visible"/>
                                       </p:to>
                                     </p:set>
-                                    <p:animEffect transition="in" filter="wipe(down)">
+                                    <p:animEffect transition="in" filter="fade">
                                       <p:cBhvr>
                                         <p:cTn id="7" dur="500"/>
                                         <p:tgtEl>
@@ -6240,7 +5985,7 @@
                             </p:stCondLst>
                             <p:childTnLst>
                               <p:par>
-                                <p:cTn id="10" presetID="14" presetClass="entr" presetSubtype="10" fill="hold" nodeType="clickEffect">
+                                <p:cTn id="10" presetID="16" presetClass="entr" presetSubtype="21" fill="hold" nodeType="clickEffect">
                                   <p:stCondLst>
                                     <p:cond delay="0"/>
                                   </p:stCondLst>
@@ -6253,7 +5998,7 @@
                                           </p:stCondLst>
                                         </p:cTn>
                                         <p:tgtEl>
-                                          <p:spTgt spid="6"/>
+                                          <p:spTgt spid="1026"/>
                                         </p:tgtEl>
                                         <p:attrNameLst>
                                           <p:attrName>style.visibility</p:attrName>
@@ -6263,11 +6008,11 @@
                                         <p:strVal val="visible"/>
                                       </p:to>
                                     </p:set>
-                                    <p:animEffect transition="in" filter="randombar(horizontal)">
+                                    <p:animEffect transition="in" filter="barn(inVertical)">
                                       <p:cBhvr>
                                         <p:cTn id="12" dur="500"/>
                                         <p:tgtEl>
-                                          <p:spTgt spid="6"/>
+                                          <p:spTgt spid="1026"/>
                                         </p:tgtEl>
                                       </p:cBhvr>
                                     </p:animEffect>
@@ -6330,7 +6075,7 @@
           <p:cNvPr id="2" name="Título 1">
             <a:extLst>
               <a:ext uri="{FF2B5EF4-FFF2-40B4-BE49-F238E27FC236}">
-                <a16:creationId xmlns:a16="http://schemas.microsoft.com/office/drawing/2014/main" id="{1069AFE7-AEE3-E097-E1FE-1C2B980B9F17}"/>
+                <a16:creationId xmlns:a16="http://schemas.microsoft.com/office/drawing/2014/main" id="{FF4CE7A6-F0B2-6468-CBC6-FAACE43240CB}"/>
               </a:ext>
             </a:extLst>
           </p:cNvPr>
@@ -6343,27 +6088,28 @@
         </p:nvSpPr>
         <p:spPr>
           <a:xfrm>
-            <a:off x="3860765" y="1361322"/>
-            <a:ext cx="4077287" cy="639757"/>
+            <a:off x="3080444" y="1457337"/>
+            <a:ext cx="2326444" cy="600001"/>
           </a:xfrm>
         </p:spPr>
         <p:txBody>
           <a:bodyPr/>
           <a:lstStyle/>
           <a:p>
+            <a:pPr algn="ctr"/>
             <a:r>
               <a:rPr lang="es-PE" dirty="0"/>
-              <a:t>Funcionamiento del Sistema</a:t>
-            </a:r>
-          </a:p>
-        </p:txBody>
-      </p:sp>
-      <p:sp>
-        <p:nvSpPr>
-          <p:cNvPr id="5" name="Luna 4">
+              <a:t>CONCLUSIONES</a:t>
+            </a:r>
+          </a:p>
+        </p:txBody>
+      </p:sp>
+      <p:sp>
+        <p:nvSpPr>
+          <p:cNvPr id="4" name="Luna 3">
             <a:extLst>
               <a:ext uri="{FF2B5EF4-FFF2-40B4-BE49-F238E27FC236}">
-                <a16:creationId xmlns:a16="http://schemas.microsoft.com/office/drawing/2014/main" id="{FEC1A4D4-DEDD-EF17-1FF9-3B377E539690}"/>
+                <a16:creationId xmlns:a16="http://schemas.microsoft.com/office/drawing/2014/main" id="{D8A14176-2419-57EE-5141-E37F024541CF}"/>
               </a:ext>
             </a:extLst>
           </p:cNvPr>
@@ -6412,312 +6158,6 @@
           </a:p>
         </p:txBody>
       </p:sp>
-      <p:pic>
-        <p:nvPicPr>
-          <p:cNvPr id="1026" name="Picture 2" descr="Fotos de Pagina Web Dibujo, +15.000 Fotos de stock gratuitas de gran calidad">
-            <a:extLst>
-              <a:ext uri="{FF2B5EF4-FFF2-40B4-BE49-F238E27FC236}">
-                <a16:creationId xmlns:a16="http://schemas.microsoft.com/office/drawing/2014/main" id="{ABFCE05D-37A0-0819-1C54-8B800DA13C16}"/>
-              </a:ext>
-            </a:extLst>
-          </p:cNvPr>
-          <p:cNvPicPr>
-            <a:picLocks noGrp="1" noChangeAspect="1" noChangeArrowheads="1"/>
-          </p:cNvPicPr>
-          <p:nvPr>
-            <p:ph idx="1"/>
-          </p:nvPr>
-        </p:nvPicPr>
-        <p:blipFill>
-          <a:blip r:embed="rId2">
-            <a:extLst>
-              <a:ext uri="{28A0092B-C50C-407E-A947-70E740481C1C}">
-                <a14:useLocalDpi xmlns:a14="http://schemas.microsoft.com/office/drawing/2010/main" val="0"/>
-              </a:ext>
-            </a:extLst>
-          </a:blip>
-          <a:srcRect/>
-          <a:stretch>
-            <a:fillRect/>
-          </a:stretch>
-        </p:blipFill>
-        <p:spPr bwMode="auto">
-          <a:xfrm>
-            <a:off x="1847082" y="2322638"/>
-            <a:ext cx="7840257" cy="3609040"/>
-          </a:xfrm>
-          <a:prstGeom prst="rect">
-            <a:avLst/>
-          </a:prstGeom>
-          <a:noFill/>
-          <a:extLst>
-            <a:ext uri="{909E8E84-426E-40DD-AFC4-6F175D3DCCD1}">
-              <a14:hiddenFill xmlns:a14="http://schemas.microsoft.com/office/drawing/2010/main">
-                <a:solidFill>
-                  <a:srgbClr val="FFFFFF"/>
-                </a:solidFill>
-              </a14:hiddenFill>
-            </a:ext>
-          </a:extLst>
-        </p:spPr>
-      </p:pic>
-    </p:spTree>
-    <p:extLst>
-      <p:ext uri="{BB962C8B-B14F-4D97-AF65-F5344CB8AC3E}">
-        <p14:creationId xmlns:p14="http://schemas.microsoft.com/office/powerpoint/2010/main" val="1843838181"/>
-      </p:ext>
-    </p:extLst>
-  </p:cSld>
-  <p:clrMapOvr>
-    <a:masterClrMapping/>
-  </p:clrMapOvr>
-  <p:timing>
-    <p:tnLst>
-      <p:par>
-        <p:cTn id="1" dur="indefinite" restart="never" nodeType="tmRoot">
-          <p:childTnLst>
-            <p:seq concurrent="1" nextAc="seek">
-              <p:cTn id="2" dur="indefinite" nodeType="mainSeq">
-                <p:childTnLst>
-                  <p:par>
-                    <p:cTn id="3" fill="hold">
-                      <p:stCondLst>
-                        <p:cond delay="indefinite"/>
-                      </p:stCondLst>
-                      <p:childTnLst>
-                        <p:par>
-                          <p:cTn id="4" fill="hold">
-                            <p:stCondLst>
-                              <p:cond delay="0"/>
-                            </p:stCondLst>
-                            <p:childTnLst>
-                              <p:par>
-                                <p:cTn id="5" presetID="10" presetClass="entr" presetSubtype="0" fill="hold" grpId="0" nodeType="clickEffect">
-                                  <p:stCondLst>
-                                    <p:cond delay="0"/>
-                                  </p:stCondLst>
-                                  <p:childTnLst>
-                                    <p:set>
-                                      <p:cBhvr>
-                                        <p:cTn id="6" dur="1" fill="hold">
-                                          <p:stCondLst>
-                                            <p:cond delay="0"/>
-                                          </p:stCondLst>
-                                        </p:cTn>
-                                        <p:tgtEl>
-                                          <p:spTgt spid="2"/>
-                                        </p:tgtEl>
-                                        <p:attrNameLst>
-                                          <p:attrName>style.visibility</p:attrName>
-                                        </p:attrNameLst>
-                                      </p:cBhvr>
-                                      <p:to>
-                                        <p:strVal val="visible"/>
-                                      </p:to>
-                                    </p:set>
-                                    <p:animEffect transition="in" filter="fade">
-                                      <p:cBhvr>
-                                        <p:cTn id="7" dur="500"/>
-                                        <p:tgtEl>
-                                          <p:spTgt spid="2"/>
-                                        </p:tgtEl>
-                                      </p:cBhvr>
-                                    </p:animEffect>
-                                  </p:childTnLst>
-                                </p:cTn>
-                              </p:par>
-                            </p:childTnLst>
-                          </p:cTn>
-                        </p:par>
-                      </p:childTnLst>
-                    </p:cTn>
-                  </p:par>
-                  <p:par>
-                    <p:cTn id="8" fill="hold">
-                      <p:stCondLst>
-                        <p:cond delay="indefinite"/>
-                      </p:stCondLst>
-                      <p:childTnLst>
-                        <p:par>
-                          <p:cTn id="9" fill="hold">
-                            <p:stCondLst>
-                              <p:cond delay="0"/>
-                            </p:stCondLst>
-                            <p:childTnLst>
-                              <p:par>
-                                <p:cTn id="10" presetID="16" presetClass="entr" presetSubtype="21" fill="hold" nodeType="clickEffect">
-                                  <p:stCondLst>
-                                    <p:cond delay="0"/>
-                                  </p:stCondLst>
-                                  <p:childTnLst>
-                                    <p:set>
-                                      <p:cBhvr>
-                                        <p:cTn id="11" dur="1" fill="hold">
-                                          <p:stCondLst>
-                                            <p:cond delay="0"/>
-                                          </p:stCondLst>
-                                        </p:cTn>
-                                        <p:tgtEl>
-                                          <p:spTgt spid="1026"/>
-                                        </p:tgtEl>
-                                        <p:attrNameLst>
-                                          <p:attrName>style.visibility</p:attrName>
-                                        </p:attrNameLst>
-                                      </p:cBhvr>
-                                      <p:to>
-                                        <p:strVal val="visible"/>
-                                      </p:to>
-                                    </p:set>
-                                    <p:animEffect transition="in" filter="barn(inVertical)">
-                                      <p:cBhvr>
-                                        <p:cTn id="12" dur="500"/>
-                                        <p:tgtEl>
-                                          <p:spTgt spid="1026"/>
-                                        </p:tgtEl>
-                                      </p:cBhvr>
-                                    </p:animEffect>
-                                  </p:childTnLst>
-                                </p:cTn>
-                              </p:par>
-                            </p:childTnLst>
-                          </p:cTn>
-                        </p:par>
-                      </p:childTnLst>
-                    </p:cTn>
-                  </p:par>
-                </p:childTnLst>
-              </p:cTn>
-              <p:prevCondLst>
-                <p:cond evt="onPrev" delay="0">
-                  <p:tgtEl>
-                    <p:sldTgt/>
-                  </p:tgtEl>
-                </p:cond>
-              </p:prevCondLst>
-              <p:nextCondLst>
-                <p:cond evt="onNext" delay="0">
-                  <p:tgtEl>
-                    <p:sldTgt/>
-                  </p:tgtEl>
-                </p:cond>
-              </p:nextCondLst>
-            </p:seq>
-          </p:childTnLst>
-        </p:cTn>
-      </p:par>
-    </p:tnLst>
-    <p:bldLst>
-      <p:bldP spid="2" grpId="0"/>
-    </p:bldLst>
-  </p:timing>
-</p:sld>
-</file>
-
-<file path=ppt/slides/slide15.xml><?xml version="1.0" encoding="utf-8"?>
-<p:sld xmlns:a="http://schemas.openxmlformats.org/drawingml/2006/main" xmlns:r="http://schemas.openxmlformats.org/officeDocument/2006/relationships" xmlns:p="http://schemas.openxmlformats.org/presentationml/2006/main">
-  <p:cSld>
-    <p:spTree>
-      <p:nvGrpSpPr>
-        <p:cNvPr id="1" name=""/>
-        <p:cNvGrpSpPr/>
-        <p:nvPr/>
-      </p:nvGrpSpPr>
-      <p:grpSpPr>
-        <a:xfrm>
-          <a:off x="0" y="0"/>
-          <a:ext cx="0" cy="0"/>
-          <a:chOff x="0" y="0"/>
-          <a:chExt cx="0" cy="0"/>
-        </a:xfrm>
-      </p:grpSpPr>
-      <p:sp>
-        <p:nvSpPr>
-          <p:cNvPr id="2" name="Título 1">
-            <a:extLst>
-              <a:ext uri="{FF2B5EF4-FFF2-40B4-BE49-F238E27FC236}">
-                <a16:creationId xmlns:a16="http://schemas.microsoft.com/office/drawing/2014/main" id="{FF4CE7A6-F0B2-6468-CBC6-FAACE43240CB}"/>
-              </a:ext>
-            </a:extLst>
-          </p:cNvPr>
-          <p:cNvSpPr>
-            <a:spLocks noGrp="1"/>
-          </p:cNvSpPr>
-          <p:nvPr>
-            <p:ph type="title"/>
-          </p:nvPr>
-        </p:nvSpPr>
-        <p:spPr>
-          <a:xfrm>
-            <a:off x="3080444" y="1457337"/>
-            <a:ext cx="2326444" cy="600001"/>
-          </a:xfrm>
-        </p:spPr>
-        <p:txBody>
-          <a:bodyPr/>
-          <a:lstStyle/>
-          <a:p>
-            <a:pPr algn="ctr"/>
-            <a:r>
-              <a:rPr lang="es-PE" dirty="0"/>
-              <a:t>CONCLUSIONES</a:t>
-            </a:r>
-          </a:p>
-        </p:txBody>
-      </p:sp>
-      <p:sp>
-        <p:nvSpPr>
-          <p:cNvPr id="4" name="Luna 3">
-            <a:extLst>
-              <a:ext uri="{FF2B5EF4-FFF2-40B4-BE49-F238E27FC236}">
-                <a16:creationId xmlns:a16="http://schemas.microsoft.com/office/drawing/2014/main" id="{D8A14176-2419-57EE-5141-E37F024541CF}"/>
-              </a:ext>
-            </a:extLst>
-          </p:cNvPr>
-          <p:cNvSpPr/>
-          <p:nvPr/>
-        </p:nvSpPr>
-        <p:spPr>
-          <a:xfrm rot="3008487">
-            <a:off x="-455494" y="-3673062"/>
-            <a:ext cx="4605153" cy="9944301"/>
-          </a:xfrm>
-          <a:prstGeom prst="moon">
-            <a:avLst/>
-          </a:prstGeom>
-          <a:solidFill>
-            <a:schemeClr val="tx1"/>
-          </a:solidFill>
-          <a:ln>
-            <a:solidFill>
-              <a:schemeClr val="tx1"/>
-            </a:solidFill>
-          </a:ln>
-        </p:spPr>
-        <p:style>
-          <a:lnRef idx="2">
-            <a:schemeClr val="accent1">
-              <a:shade val="15000"/>
-            </a:schemeClr>
-          </a:lnRef>
-          <a:fillRef idx="1">
-            <a:schemeClr val="accent1"/>
-          </a:fillRef>
-          <a:effectRef idx="0">
-            <a:schemeClr val="accent1"/>
-          </a:effectRef>
-          <a:fontRef idx="minor">
-            <a:schemeClr val="lt1"/>
-          </a:fontRef>
-        </p:style>
-        <p:txBody>
-          <a:bodyPr rtlCol="0" anchor="ctr"/>
-          <a:lstStyle/>
-          <a:p>
-            <a:pPr algn="ctr"/>
-            <a:endParaRPr lang="es-PE"/>
-          </a:p>
-        </p:txBody>
-      </p:sp>
       <p:sp>
         <p:nvSpPr>
           <p:cNvPr id="6" name="Rectángulo: esquinas redondeadas 5">
@@ -6760,7 +6200,7 @@
             <a:pPr algn="ctr"/>
             <a:r>
               <a:rPr lang="es-PE" dirty="0"/>
-              <a:t>La implementación del Sistema Web ha optimizado notablemente el proceso de gestión de matrículas</a:t>
+              <a:t>La implementación del Sistema Web ha optimizado notablemente el proceso de gestión de ventas</a:t>
             </a:r>
           </a:p>
         </p:txBody>
@@ -6807,7 +6247,7 @@
             <a:pPr algn="ctr"/>
             <a:r>
               <a:rPr lang="es-PE" dirty="0"/>
-              <a:t>El sistema proporciona la información relevante y oportuna para una correcta toma de decisiones al momento de gestionar las matrículas</a:t>
+              <a:t>El sistema proporciona la información relevante y oportuna para una correcta toma de decisiones al momento de gestionar las ventas</a:t>
             </a:r>
           </a:p>
         </p:txBody>
@@ -6854,7 +6294,7 @@
             <a:pPr algn="ctr"/>
             <a:r>
               <a:rPr lang="es-PE" dirty="0"/>
-              <a:t>La solución aborda efectivamente el problema y mejora la precisión de la gestión académica</a:t>
+              <a:t>La solución aborda efectivamente el problema y mejora la precisión de la gestión de ventas</a:t>
             </a:r>
           </a:p>
         </p:txBody>
@@ -7120,7 +6560,7 @@
 </p:sld>
 </file>
 
-<file path=ppt/slides/slide16.xml><?xml version="1.0" encoding="utf-8"?>
+<file path=ppt/slides/slide15.xml><?xml version="1.0" encoding="utf-8"?>
 <p:sld xmlns:a="http://schemas.openxmlformats.org/drawingml/2006/main" xmlns:r="http://schemas.openxmlformats.org/officeDocument/2006/relationships" xmlns:p="http://schemas.openxmlformats.org/presentationml/2006/main">
   <p:cSld>
     <p:spTree>
@@ -7659,7 +7099,7 @@
 </p:sld>
 </file>
 
-<file path=ppt/slides/slide17.xml><?xml version="1.0" encoding="utf-8"?>
+<file path=ppt/slides/slide16.xml><?xml version="1.0" encoding="utf-8"?>
 <p:sld xmlns:a="http://schemas.openxmlformats.org/drawingml/2006/main" xmlns:r="http://schemas.openxmlformats.org/officeDocument/2006/relationships" xmlns:p="http://schemas.openxmlformats.org/presentationml/2006/main">
   <p:cSld>
     <p:spTree>
@@ -9142,7 +8582,7 @@
         </p:spPr>
         <p:txBody>
           <a:bodyPr>
-            <a:normAutofit lnSpcReduction="10000"/>
+            <a:normAutofit fontScale="92500" lnSpcReduction="20000"/>
           </a:bodyPr>
           <a:lstStyle/>
           <a:p>
@@ -9151,15 +8591,15 @@
             </a:pPr>
             <a:r>
               <a:rPr lang="es-PE" dirty="0"/>
-              <a:t>El instituto “</a:t>
+              <a:t>El proyecto tiene como base un diagnóstico exhaustivo de las necesidades de "</a:t>
             </a:r>
             <a:r>
               <a:rPr lang="es-PE" dirty="0" err="1"/>
-              <a:t>TechNova</a:t>
+              <a:t>Rapimotors</a:t>
             </a:r>
             <a:r>
               <a:rPr lang="es-PE" dirty="0"/>
-              <a:t>” lleva años en la industria de la educación de carreras técnicas bajo la misma metodología de matrículas para los alumnos.</a:t>
+              <a:t>" en cuanto a la gestión de su inventario de vehículos y la automatización de procesos relacionados con la venta de autos</a:t>
             </a:r>
           </a:p>
         </p:txBody>
@@ -10122,7 +9562,7 @@
         <p:spPr>
           <a:xfrm>
             <a:off x="1481708" y="2027583"/>
-            <a:ext cx="3140765" cy="4524315"/>
+            <a:ext cx="4059283" cy="3970318"/>
           </a:xfrm>
           <a:prstGeom prst="rect">
             <a:avLst/>
@@ -10135,13 +9575,9 @@
           </a:bodyPr>
           <a:lstStyle/>
           <a:p>
-            <a:pPr marL="285750" indent="-285750">
-              <a:buFont typeface="Arial" panose="020B0604020202020204" pitchFamily="34" charset="0"/>
-              <a:buChar char="•"/>
-            </a:pPr>
             <a:r>
               <a:rPr lang="es-PE" dirty="0"/>
-              <a:t>Entrada manual de la gestión de matrículas la cual puede estar propensa a errores.</a:t>
+              <a:t>Se ha observado un aumento en la demanda de vehículos usados en el mercado local, especialmente entre la población joven en busca de opciones accesibles y de calidad.</a:t>
             </a:r>
           </a:p>
           <a:p>
@@ -10151,29 +9587,15 @@
             <a:endParaRPr lang="es-PE" dirty="0"/>
           </a:p>
           <a:p>
-            <a:pPr marL="285750" indent="-285750">
-              <a:buFont typeface="Arial" panose="020B0604020202020204" pitchFamily="34" charset="0"/>
-              <a:buChar char="•"/>
-            </a:pPr>
             <a:r>
               <a:rPr lang="es-PE" dirty="0"/>
-              <a:t>Falta de herramientas digitales para agilizar el proceso.</a:t>
-            </a:r>
-          </a:p>
-          <a:p>
-            <a:endParaRPr lang="es-PE" dirty="0"/>
-          </a:p>
-          <a:p>
-            <a:endParaRPr lang="es-PE" dirty="0"/>
-          </a:p>
-          <a:p>
-            <a:pPr marL="285750" indent="-285750">
-              <a:buFont typeface="Arial" panose="020B0604020202020204" pitchFamily="34" charset="0"/>
-              <a:buChar char="•"/>
-            </a:pPr>
+              <a:t>La situación económica actual ha generado una preferencia por la compra de autos usados debido a su menor costo inicial y a la búsqueda de alternativas de financiamiento más flexibles.</a:t>
+            </a:r>
+          </a:p>
+          <a:p>
             <a:r>
               <a:rPr lang="es-PE" dirty="0"/>
-              <a:t>Problemas de asignación de cursos debido a las problemáticas ya mencionadas.</a:t>
+              <a:t>.</a:t>
             </a:r>
           </a:p>
         </p:txBody>
@@ -10959,7 +10381,7 @@
             </a:pPr>
             <a:r>
               <a:rPr lang="es-PE" dirty="0"/>
-              <a:t>Elaborado para la institución con el propósito de que secretaría pueda tener de manera más visual todas las sedes, carreras, ciclos, turnos, docentes y cursos disponibles para la gestión de matrículas</a:t>
+              <a:t>Elaborado para la empresa con el propósito pueda tener de manera más visual todo el inventario disponibles para la gestión de ventas</a:t>
             </a:r>
           </a:p>
         </p:txBody>
@@ -11482,7 +10904,7 @@
             <a:pPr algn="ctr"/>
             <a:r>
               <a:rPr lang="es-PE" dirty="0"/>
-              <a:t>Alumnos</a:t>
+              <a:t>Clientes</a:t>
             </a:r>
           </a:p>
         </p:txBody>
